--- a/task 1.pptx
+++ b/task 1.pptx
@@ -3081,12 +3081,8 @@
           <a:lstStyle/>
           <a:p>
             <a:r>
-              <a:rPr lang="en-GB" b="1" u="sng" dirty="0" smtClean="0"/>
-              <a:t>Tsk</a:t>
-            </a:r>
-            <a:r>
-              <a:rPr lang="en-GB" b="1" u="sng" dirty="0" smtClean="0"/>
-              <a:t>-1</a:t>
+              <a:rPr lang="en-GB" b="1" u="sng" smtClean="0"/>
+              <a:t>Task-1</a:t>
             </a:r>
             <a:endParaRPr lang="en-US" b="1" u="sng" dirty="0"/>
           </a:p>
